--- a/translations/pt/lessons/HowtoUse.pptx
+++ b/translations/pt/lessons/HowtoUse.pptx
@@ -216,7 +216,7 @@
           <a:p>
             <a:fld id="{58040048-1E4D-CD41-AC49-0750EB72586B}" type="datetimeFigureOut">
               <a:rPr lang="en-US" smtClean="0"/>
-              <a:t>01/08/2020</a:t>
+              <a:t>6/5/2020</a:t>
             </a:fld>
             <a:endParaRPr lang="en-US"/>
           </a:p>
@@ -282,7 +282,7 @@
           <a:p>
             <a:fld id="{760592D1-055B-824F-99E1-F69F9F11B539}" type="slidenum">
               <a:rPr lang="en-US" smtClean="0"/>
-              <a:t>‹#›</a:t>
+              <a:t>‹nº›</a:t>
             </a:fld>
             <a:endParaRPr lang="en-US"/>
           </a:p>
@@ -382,7 +382,7 @@
           <a:p>
             <a:fld id="{2B8484CF-5098-F24E-8881-583515D5C406}" type="datetimeFigureOut">
               <a:rPr lang="en-US" smtClean="0"/>
-              <a:t>01/08/2020</a:t>
+              <a:t>6/5/2020</a:t>
             </a:fld>
             <a:endParaRPr lang="en-US"/>
           </a:p>
@@ -540,7 +540,7 @@
           <a:p>
             <a:fld id="{A6B67714-547E-8A4E-AE1C-9E3378A836DF}" type="slidenum">
               <a:rPr lang="en-US" smtClean="0"/>
-              <a:t>‹#›</a:t>
+              <a:t>‹nº›</a:t>
             </a:fld>
             <a:endParaRPr lang="en-US"/>
           </a:p>
@@ -1609,7 +1609,7 @@
           <a:p>
             <a:fld id="{BBD74847-7BE4-4E4D-8159-51DF7B93C616}" type="slidenum">
               <a:rPr lang="en-US" smtClean="0"/>
-              <a:t>‹#›</a:t>
+              <a:t>‹nº›</a:t>
             </a:fld>
             <a:endParaRPr lang="en-US"/>
           </a:p>
@@ -1874,7 +1874,7 @@
           <a:p>
             <a:fld id="{BBD74847-7BE4-4E4D-8159-51DF7B93C616}" type="slidenum">
               <a:rPr lang="en-US" smtClean="0"/>
-              <a:t>‹#›</a:t>
+              <a:t>‹nº›</a:t>
             </a:fld>
             <a:endParaRPr lang="en-US"/>
           </a:p>
@@ -2109,7 +2109,7 @@
           <a:p>
             <a:fld id="{BBD74847-7BE4-4E4D-8159-51DF7B93C616}" type="slidenum">
               <a:rPr lang="en-US" smtClean="0"/>
-              <a:t>‹#›</a:t>
+              <a:t>‹nº›</a:t>
             </a:fld>
             <a:endParaRPr lang="en-US"/>
           </a:p>
@@ -2493,7 +2493,7 @@
           <a:p>
             <a:fld id="{BBD74847-7BE4-4E4D-8159-51DF7B93C616}" type="slidenum">
               <a:rPr lang="en-US" smtClean="0"/>
-              <a:t>‹#›</a:t>
+              <a:t>‹nº›</a:t>
             </a:fld>
             <a:endParaRPr lang="en-US"/>
           </a:p>
@@ -2907,7 +2907,7 @@
           <a:p>
             <a:fld id="{BBD74847-7BE4-4E4D-8159-51DF7B93C616}" type="slidenum">
               <a:rPr lang="en-US" smtClean="0"/>
-              <a:t>‹#›</a:t>
+              <a:t>‹nº›</a:t>
             </a:fld>
             <a:endParaRPr lang="en-US"/>
           </a:p>
@@ -3416,7 +3416,7 @@
           <a:p>
             <a:fld id="{BBD74847-7BE4-4E4D-8159-51DF7B93C616}" type="slidenum">
               <a:rPr lang="en-US" smtClean="0"/>
-              <a:t>‹#›</a:t>
+              <a:t>‹nº›</a:t>
             </a:fld>
             <a:endParaRPr lang="en-US"/>
           </a:p>
@@ -3614,7 +3614,7 @@
           <a:p>
             <a:fld id="{BBD74847-7BE4-4E4D-8159-51DF7B93C616}" type="slidenum">
               <a:rPr lang="en-US" smtClean="0"/>
-              <a:t>‹#›</a:t>
+              <a:t>‹nº›</a:t>
             </a:fld>
             <a:endParaRPr lang="en-US"/>
           </a:p>
@@ -3905,7 +3905,7 @@
           <a:p>
             <a:fld id="{BBD74847-7BE4-4E4D-8159-51DF7B93C616}" type="slidenum">
               <a:rPr lang="en-US" smtClean="0"/>
-              <a:t>‹#›</a:t>
+              <a:t>‹nº›</a:t>
             </a:fld>
             <a:endParaRPr lang="en-US"/>
           </a:p>
@@ -4401,7 +4401,7 @@
           <a:p>
             <a:fld id="{BBD74847-7BE4-4E4D-8159-51DF7B93C616}" type="slidenum">
               <a:rPr lang="en-US" smtClean="0"/>
-              <a:t>‹#›</a:t>
+              <a:t>‹nº›</a:t>
             </a:fld>
             <a:endParaRPr lang="en-US"/>
           </a:p>
@@ -4692,7 +4692,7 @@
           <a:p>
             <a:fld id="{BBD74847-7BE4-4E4D-8159-51DF7B93C616}" type="slidenum">
               <a:rPr lang="en-US" smtClean="0"/>
-              <a:t>‹#›</a:t>
+              <a:t>‹nº›</a:t>
             </a:fld>
             <a:endParaRPr lang="en-US"/>
           </a:p>
@@ -5023,7 +5023,7 @@
             <a:fld id="{BBD74847-7BE4-4E4D-8159-51DF7B93C616}" type="slidenum">
               <a:rPr lang="en-US" smtClean="0"/>
               <a:pPr/>
-              <a:t>‹#›</a:t>
+              <a:t>‹nº›</a:t>
             </a:fld>
             <a:endParaRPr lang="en-US"/>
           </a:p>
@@ -5499,8 +5499,13 @@
           <a:p>
             <a:r>
               <a:rPr lang="en-US" dirty="0"/>
-              <a:t>How to use these Lessons</a:t>
-            </a:r>
+              <a:t>Como</a:t>
+            </a:r>
+            <a:r>
+              <a:rPr lang="pt-BR" dirty="0"/>
+              <a:t> usar estes tutoriais?</a:t>
+            </a:r>
+            <a:endParaRPr lang="en-US" dirty="0"/>
           </a:p>
         </p:txBody>
       </p:sp>
@@ -5527,7 +5532,15 @@
           <a:p>
             <a:r>
               <a:rPr lang="en-US" dirty="0"/>
-              <a:t>By sanjay and Arvind Seshan</a:t>
+              <a:t>por </a:t>
+            </a:r>
+            <a:r>
+              <a:rPr lang="en-US" dirty="0" err="1"/>
+              <a:t>sanjay</a:t>
+            </a:r>
+            <a:r>
+              <a:rPr lang="en-US" dirty="0"/>
+              <a:t> e Arvind Seshan</a:t>
             </a:r>
           </a:p>
         </p:txBody>
@@ -5584,8 +5597,36 @@
           <a:lstStyle/>
           <a:p>
             <a:r>
+              <a:rPr lang="en-US" dirty="0" err="1"/>
+              <a:t>Quem</a:t>
+            </a:r>
+            <a:r>
               <a:rPr lang="en-US" dirty="0"/>
-              <a:t>WHO ARE the authors?</a:t>
+              <a:t> </a:t>
+            </a:r>
+            <a:r>
+              <a:rPr lang="en-US" dirty="0" err="1"/>
+              <a:t>são</a:t>
+            </a:r>
+            <a:r>
+              <a:rPr lang="en-US" dirty="0"/>
+              <a:t> </a:t>
+            </a:r>
+            <a:r>
+              <a:rPr lang="en-US" dirty="0" err="1"/>
+              <a:t>os</a:t>
+            </a:r>
+            <a:r>
+              <a:rPr lang="en-US" dirty="0"/>
+              <a:t> </a:t>
+            </a:r>
+            <a:r>
+              <a:rPr lang="en-US" dirty="0" err="1"/>
+              <a:t>autores</a:t>
+            </a:r>
+            <a:r>
+              <a:rPr lang="en-US" dirty="0"/>
+              <a:t>?</a:t>
             </a:r>
           </a:p>
         </p:txBody>
@@ -5677,35 +5718,62 @@
           <a:lstStyle/>
           <a:p>
             <a:r>
-              <a:rPr lang="en-US" dirty="0"/>
-              <a:t>We are high school students from Pittsburgh, PA, USA</a:t>
-            </a:r>
-          </a:p>
-          <a:p>
-            <a:r>
-              <a:rPr lang="en-US" dirty="0"/>
-              <a:t>We have won First Place Programming and First Place Champion’s at World Festival. Our robots have consistently scored top 6 in the world every year.</a:t>
-            </a:r>
-          </a:p>
-          <a:p>
-            <a:r>
-              <a:rPr lang="en-US" dirty="0"/>
-              <a:t>We also authored all the lessons on EV3Lessons.com which are used by more than 550,000 users worldwide. FLLTutorials.com has an additional 100,000 users.</a:t>
-            </a:r>
-          </a:p>
-          <a:p>
-            <a:r>
-              <a:rPr lang="en-US" dirty="0"/>
-              <a:t>We were also selected to be the “First 5” – Two of the first five community members selected by LEGO to give feedback on SPIKE Prime as it was being developed</a:t>
-            </a:r>
-          </a:p>
-          <a:p>
-            <a:r>
-              <a:rPr lang="en-US" dirty="0"/>
-              <a:t>In short, we have a strong background in teaching, writing lessons, and competing in LEGO robotics.</a:t>
-            </a:r>
-          </a:p>
-          <a:p>
+              <a:rPr lang="pt-BR" dirty="0"/>
+              <a:t>Nós somos estudantes de Ensino Médio em Pittsburgh, PA, EUA</a:t>
+            </a:r>
+          </a:p>
+          <a:p>
+            <a:r>
+              <a:rPr lang="pt-BR" dirty="0"/>
+              <a:t>Ganhamos primeiro lugar em programação e </a:t>
+            </a:r>
+            <a:r>
+              <a:rPr lang="pt-BR" dirty="0" err="1"/>
+              <a:t>Champions</a:t>
+            </a:r>
+            <a:r>
+              <a:rPr lang="pt-BR" dirty="0"/>
+              <a:t> </a:t>
+            </a:r>
+            <a:r>
+              <a:rPr lang="pt-BR" dirty="0" err="1"/>
+              <a:t>Award</a:t>
+            </a:r>
+            <a:r>
+              <a:rPr lang="pt-BR" dirty="0"/>
+              <a:t> no World Festival. Nosso robôs ficaram no top 6 do World Festival de maneira consistente..</a:t>
+            </a:r>
+          </a:p>
+          <a:p>
+            <a:r>
+              <a:rPr lang="pt-BR" dirty="0"/>
+              <a:t>Nós também somos autores dos tutoriais em EV3Lessons.com que são usados por mais de 550,000 usuários ao redor do mundo. E o FLLTutorials.com tem mais 100,000 usuários.</a:t>
+            </a:r>
+          </a:p>
+          <a:p>
+            <a:r>
+              <a:rPr lang="pt-BR" dirty="0"/>
+              <a:t>Nós também fomos selecionados para o “</a:t>
+            </a:r>
+            <a:r>
+              <a:rPr lang="pt-BR" dirty="0" err="1"/>
+              <a:t>First</a:t>
+            </a:r>
+            <a:r>
+              <a:rPr lang="pt-BR" dirty="0"/>
+              <a:t> 5” -  dois primeiros de um grupo de 5 membros selecionados pela Lego para dar opiniões sobre o Spike Prime durante seu desenvolvimento.</a:t>
+            </a:r>
+          </a:p>
+          <a:p>
+            <a:r>
+              <a:rPr lang="pt-BR" dirty="0"/>
+              <a:t>Em resumo, temos experiência em ensinar, produzir materiais e competir com robôs LEGO.</a:t>
+            </a:r>
+          </a:p>
+          <a:p>
+            <a:pPr marL="0" indent="0">
+              <a:buNone/>
+            </a:pPr>
             <a:endParaRPr lang="en-US" dirty="0"/>
           </a:p>
         </p:txBody>
@@ -5856,9 +5924,18 @@
           <a:lstStyle/>
           <a:p>
             <a:r>
+              <a:rPr lang="en-US" dirty="0" err="1"/>
+              <a:t>Missão</a:t>
+            </a:r>
+            <a:r>
               <a:rPr lang="en-US" dirty="0"/>
-              <a:t>Mission and focus</a:t>
-            </a:r>
+              <a:t> e </a:t>
+            </a:r>
+            <a:r>
+              <a:rPr lang="en-US" dirty="0" err="1"/>
+              <a:t>foco</a:t>
+            </a:r>
+            <a:endParaRPr lang="en-US" dirty="0"/>
           </a:p>
         </p:txBody>
       </p:sp>
@@ -5880,45 +5957,50 @@
         </p:nvSpPr>
         <p:spPr/>
         <p:txBody>
-          <a:bodyPr/>
+          <a:bodyPr>
+            <a:normAutofit/>
+          </a:bodyPr>
           <a:lstStyle/>
           <a:p>
             <a:r>
-              <a:rPr lang="en-US" dirty="0"/>
-              <a:t>There are programming lessons available inside the SPIKE Prime software. Those lessons are short, project-based lessons. There is a competition unit included. </a:t>
-            </a:r>
-          </a:p>
-          <a:p>
-            <a:r>
-              <a:rPr lang="en-US" dirty="0"/>
-              <a:t>Our SPIKE Prime lessons offer a different perspective. We focus on one build – a basic training robot with two drive wheels, and concentrate on developing programming skills</a:t>
-            </a:r>
-          </a:p>
-          <a:p>
-            <a:r>
-              <a:rPr lang="en-US" dirty="0"/>
-              <a:t>The skills we teach can be applied to any project or competition</a:t>
-            </a:r>
-          </a:p>
-          <a:p>
-            <a:r>
-              <a:rPr lang="en-US" dirty="0"/>
-              <a:t>We believe strongly in the need for discovery.  At no time will we provide direct solutions to a competition. It is expected that you learn the concept and apply it situations you need in competition</a:t>
-            </a:r>
-          </a:p>
-          <a:p>
-            <a:r>
-              <a:rPr lang="en-US" dirty="0"/>
-              <a:t>We believe strongly that sensor usage is a valuable tool to increase robot reliability, and so you will find majority of our lessons talk about sensors in some way</a:t>
-            </a:r>
-          </a:p>
-          <a:p>
-            <a:r>
-              <a:rPr lang="en-US" dirty="0"/>
-              <a:t>Our lessons are designed to be completed in order so that you will have the correct prerequisites for each lesson. They are organized into handy units that build upon each other.</a:t>
-            </a:r>
-          </a:p>
-          <a:p>
+              <a:rPr lang="pt-BR" dirty="0"/>
+              <a:t>Existem tutoriais de programação no software do Spike Prime. Esses tutoriais são minimalistas e baseados em projetos. Há um módulo voltado a competições.</a:t>
+            </a:r>
+          </a:p>
+          <a:p>
+            <a:r>
+              <a:rPr lang="pt-BR" dirty="0"/>
+              <a:t>Nossos tutoriais oferecem uma perspectiva diferente. Nós focamos em uma montagem, ou seja, usamos um robô básico com duas rodas para direção, e nos concentramos em desenvolver habilidades de programação.</a:t>
+            </a:r>
+          </a:p>
+          <a:p>
+            <a:r>
+              <a:rPr lang="pt-BR" dirty="0"/>
+              <a:t>As habilidades que ensinamos podem ser usadas em qualquer projeto ou competição.</a:t>
+            </a:r>
+          </a:p>
+          <a:p>
+            <a:r>
+              <a:rPr lang="pt-BR" dirty="0"/>
+              <a:t>Nós acreditamos fortemente na necessidade da descoberta. Em nenhum momento daremos soluções diretas para competições. É esperado que vocês aprendam os conceitos e apliquem nas situações de competição.</a:t>
+            </a:r>
+          </a:p>
+          <a:p>
+            <a:r>
+              <a:rPr lang="pt-BR" dirty="0"/>
+              <a:t>Nós acreditamos fortemente que o uso de sensores é um recurso importante para aumentar a confiabilidade do robô e você vai descobrir que a maioria dos nossos tutoriais usam sensores de alguma maneira.</a:t>
+            </a:r>
+          </a:p>
+          <a:p>
+            <a:r>
+              <a:rPr lang="pt-BR" dirty="0"/>
+              <a:t>Nossos tutoriais foram projetados para serem seguidos em ordem para que você tenha os pré-requisitos corretos para cada tutorial. Eles foram organizados em módulos que se completam.</a:t>
+            </a:r>
+          </a:p>
+          <a:p>
+            <a:pPr marL="0" indent="0">
+              <a:buNone/>
+            </a:pPr>
             <a:endParaRPr lang="en-US" dirty="0"/>
           </a:p>
         </p:txBody>
@@ -6033,9 +6115,18 @@
           <a:lstStyle/>
           <a:p>
             <a:r>
+              <a:rPr lang="en-US" dirty="0" err="1"/>
+              <a:t>Formato</a:t>
+            </a:r>
+            <a:r>
               <a:rPr lang="en-US" dirty="0"/>
-              <a:t>Lesson format</a:t>
-            </a:r>
+              <a:t> dos </a:t>
+            </a:r>
+            <a:r>
+              <a:rPr lang="en-US" dirty="0" err="1"/>
+              <a:t>tutoriais</a:t>
+            </a:r>
+            <a:endParaRPr lang="en-US" dirty="0"/>
           </a:p>
         </p:txBody>
       </p:sp>
@@ -6061,39 +6152,39 @@
           <a:lstStyle/>
           <a:p>
             <a:r>
-              <a:rPr lang="en-US" dirty="0"/>
-              <a:t>Our lesson content and format are based on seven years of writing and teaching programming lessons. </a:t>
-            </a:r>
-          </a:p>
-          <a:p>
-            <a:r>
-              <a:rPr lang="en-US" dirty="0"/>
-              <a:t>We try to keep our lessons short (10-12 slides) on purpose.</a:t>
-            </a:r>
-          </a:p>
-          <a:p>
-            <a:r>
-              <a:rPr lang="en-US" dirty="0"/>
-              <a:t>Our lessons are not YouTube videos on purpose.  However, we will provide a supplemental video to demonstrate robot movement when needed.</a:t>
-            </a:r>
-          </a:p>
-          <a:p>
-            <a:r>
-              <a:rPr lang="en-US" dirty="0"/>
-              <a:t>Every lesson includes the following components: </a:t>
+              <a:rPr lang="pt-BR" dirty="0"/>
+              <a:t>O conteúdo e formato dos nossos tutoriais são baseados em 7 anos de produção e ensino de programação. </a:t>
+            </a:r>
+          </a:p>
+          <a:p>
+            <a:r>
+              <a:rPr lang="pt-BR" dirty="0"/>
+              <a:t>Nós tentamos manter os tutoriais curtos (10 a 12 slides) de propósito.</a:t>
+            </a:r>
+          </a:p>
+          <a:p>
+            <a:r>
+              <a:rPr lang="pt-BR" dirty="0"/>
+              <a:t>Os tutoriais não estão no YouTube intencionalmente. Porém, divulgaremos vídeos com a movimentação do robô quando necessário.</a:t>
+            </a:r>
+          </a:p>
+          <a:p>
+            <a:r>
+              <a:rPr lang="pt-BR" dirty="0"/>
+              <a:t>Todo tutorial incluí o seguinte.</a:t>
             </a:r>
           </a:p>
           <a:p>
             <a:pPr lvl="1"/>
             <a:r>
-              <a:rPr lang="en-US" dirty="0"/>
-              <a:t>Objectives, Main Blocks, Challenge, Solution</a:t>
-            </a:r>
-          </a:p>
-          <a:p>
-            <a:r>
-              <a:rPr lang="en-US" dirty="0"/>
-              <a:t>Lessons are grouped together into units</a:t>
+              <a:rPr lang="pt-BR" dirty="0"/>
+              <a:t>Objetivos, blocos principais, desafio, solução</a:t>
+            </a:r>
+          </a:p>
+          <a:p>
+            <a:r>
+              <a:rPr lang="pt-BR" dirty="0"/>
+              <a:t>Os tutoriais são agrupados em módulos.</a:t>
             </a:r>
           </a:p>
           <a:p>
@@ -6208,13 +6299,20 @@
         </p:nvSpPr>
         <p:spPr/>
         <p:txBody>
-          <a:bodyPr/>
+          <a:bodyPr>
+            <a:normAutofit/>
+          </a:bodyPr>
           <a:lstStyle/>
           <a:p>
             <a:r>
               <a:rPr lang="en-US" dirty="0"/>
-              <a:t>SPIKE PRIME lessons</a:t>
-            </a:r>
+              <a:t>SPIKE PRIME </a:t>
+            </a:r>
+            <a:r>
+              <a:rPr lang="en-US" dirty="0" err="1"/>
+              <a:t>tutoriais</a:t>
+            </a:r>
+            <a:endParaRPr lang="en-US" dirty="0"/>
           </a:p>
         </p:txBody>
       </p:sp>
@@ -6255,8 +6353,8 @@
               </a:spcAft>
             </a:pPr>
             <a:r>
-              <a:rPr lang="en-US" dirty="0"/>
-              <a:t>UNIT 1 – Getting Started</a:t>
+              <a:rPr lang="pt-BR" dirty="0"/>
+              <a:t>MODULO 1-Introdução</a:t>
             </a:r>
           </a:p>
           <a:p>
@@ -6269,8 +6367,8 @@
               </a:spcAft>
             </a:pPr>
             <a:r>
-              <a:rPr lang="en-US" dirty="0"/>
-              <a:t>How to use these Lessons</a:t>
+              <a:rPr lang="pt-BR" dirty="0"/>
+              <a:t>Como usar estes tutoriais</a:t>
             </a:r>
           </a:p>
           <a:p>
@@ -6283,8 +6381,8 @@
               </a:spcAft>
             </a:pPr>
             <a:r>
-              <a:rPr lang="en-US" dirty="0"/>
-              <a:t>Building a Robot</a:t>
+              <a:rPr lang="pt-BR" dirty="0"/>
+              <a:t>Construindo um robô</a:t>
             </a:r>
           </a:p>
           <a:p>
@@ -6297,8 +6395,8 @@
               </a:spcAft>
             </a:pPr>
             <a:r>
-              <a:rPr lang="en-US" dirty="0"/>
-              <a:t>Installing Software and Firmware</a:t>
+              <a:rPr lang="pt-BR" dirty="0"/>
+              <a:t>Instalando o software e firmware</a:t>
             </a:r>
           </a:p>
           <a:p>
@@ -6311,8 +6409,8 @@
               </a:spcAft>
             </a:pPr>
             <a:r>
-              <a:rPr lang="en-US" dirty="0"/>
-              <a:t>UNIT 2 – Navigating the Software</a:t>
+              <a:rPr lang="pt-BR" dirty="0"/>
+              <a:t>MODULO 2 –Conhecendo o software</a:t>
             </a:r>
           </a:p>
           <a:p>
@@ -6325,8 +6423,8 @@
               </a:spcAft>
             </a:pPr>
             <a:r>
-              <a:rPr lang="en-US" dirty="0"/>
-              <a:t>Introduction to Hub and Software</a:t>
+              <a:rPr lang="pt-BR" dirty="0"/>
+              <a:t>Introdução ao Hub e ao Software</a:t>
             </a:r>
           </a:p>
           <a:p>
@@ -6339,8 +6437,8 @@
               </a:spcAft>
             </a:pPr>
             <a:r>
-              <a:rPr lang="en-US" dirty="0"/>
-              <a:t>Managing Projects</a:t>
+              <a:rPr lang="pt-BR" dirty="0"/>
+              <a:t>Gerenciando projetos</a:t>
             </a:r>
           </a:p>
           <a:p>
@@ -6353,8 +6451,8 @@
               </a:spcAft>
             </a:pPr>
             <a:r>
-              <a:rPr lang="en-US" dirty="0"/>
-              <a:t>Viewing Sensor Values</a:t>
+              <a:rPr lang="pt-BR" dirty="0"/>
+              <a:t>Visualizando valores dos sensores</a:t>
             </a:r>
           </a:p>
           <a:p>
@@ -6367,8 +6465,8 @@
               </a:spcAft>
             </a:pPr>
             <a:r>
-              <a:rPr lang="en-US" dirty="0"/>
-              <a:t>UNIT 3 – Moving and Turning</a:t>
+              <a:rPr lang="pt-BR" dirty="0"/>
+              <a:t>MODULO 3 –Movendo e virando</a:t>
             </a:r>
           </a:p>
           <a:p>
@@ -6381,8 +6479,8 @@
               </a:spcAft>
             </a:pPr>
             <a:r>
-              <a:rPr lang="en-US" dirty="0"/>
-              <a:t>Configuring Robot Movement</a:t>
+              <a:rPr lang="pt-BR" dirty="0"/>
+              <a:t>Configurando o movimento do robô</a:t>
             </a:r>
           </a:p>
           <a:p>
@@ -6395,8 +6493,8 @@
               </a:spcAft>
             </a:pPr>
             <a:r>
-              <a:rPr lang="en-US" dirty="0"/>
-              <a:t>Moving Straight</a:t>
+              <a:rPr lang="pt-BR" dirty="0"/>
+              <a:t>Andando em linha reta</a:t>
             </a:r>
           </a:p>
           <a:p>
@@ -6409,8 +6507,8 @@
               </a:spcAft>
             </a:pPr>
             <a:r>
-              <a:rPr lang="en-US" dirty="0"/>
-              <a:t>Turning with Gyro</a:t>
+              <a:rPr lang="pt-BR" dirty="0"/>
+              <a:t>Virando com o giroscópio</a:t>
             </a:r>
           </a:p>
           <a:p>
@@ -6423,8 +6521,8 @@
               </a:spcAft>
             </a:pPr>
             <a:r>
-              <a:rPr lang="en-US" dirty="0"/>
-              <a:t>More Accurate Turns</a:t>
+              <a:rPr lang="pt-BR" dirty="0"/>
+              <a:t>Curvas mais precisas</a:t>
             </a:r>
           </a:p>
           <a:p>
@@ -6437,8 +6535,8 @@
               </a:spcAft>
             </a:pPr>
             <a:r>
-              <a:rPr lang="en-US" dirty="0"/>
-              <a:t>UNIT 4 – Good Programming Practices</a:t>
+              <a:rPr lang="pt-BR" dirty="0"/>
+              <a:t>MODULO 4 – Boas práticas de programação</a:t>
             </a:r>
           </a:p>
           <a:p>
@@ -6451,8 +6549,8 @@
               </a:spcAft>
             </a:pPr>
             <a:r>
-              <a:rPr lang="en-US" dirty="0"/>
-              <a:t>Pseudocode</a:t>
+              <a:rPr lang="pt-BR" dirty="0"/>
+              <a:t>Pseudocódigo</a:t>
             </a:r>
           </a:p>
           <a:p>
@@ -6465,8 +6563,8 @@
               </a:spcAft>
             </a:pPr>
             <a:r>
-              <a:rPr lang="en-US" dirty="0"/>
-              <a:t>Commenting Code</a:t>
+              <a:rPr lang="pt-BR" dirty="0"/>
+              <a:t>Comentando o programa</a:t>
             </a:r>
           </a:p>
         </p:txBody>
@@ -6766,12 +6864,52 @@
               <a:buNone/>
             </a:pPr>
             <a:r>
+              <a:rPr lang="en-US" dirty="0" err="1">
+                <a:solidFill>
+                  <a:srgbClr val="FF0000"/>
+                </a:solidFill>
+              </a:rPr>
+              <a:t>Mais</a:t>
+            </a:r>
+            <a:r>
               <a:rPr lang="en-US" dirty="0">
                 <a:solidFill>
                   <a:srgbClr val="FF0000"/>
                 </a:solidFill>
               </a:rPr>
-              <a:t>More lessons planned and coming soon</a:t>
+              <a:t> </a:t>
+            </a:r>
+            <a:r>
+              <a:rPr lang="en-US" dirty="0" err="1">
+                <a:solidFill>
+                  <a:srgbClr val="FF0000"/>
+                </a:solidFill>
+              </a:rPr>
+              <a:t>tutoriais</a:t>
+            </a:r>
+            <a:r>
+              <a:rPr lang="en-US" dirty="0">
+                <a:solidFill>
+                  <a:srgbClr val="FF0000"/>
+                </a:solidFill>
+              </a:rPr>
+              <a:t> </a:t>
+            </a:r>
+            <a:r>
+              <a:rPr lang="en-US" dirty="0" err="1">
+                <a:solidFill>
+                  <a:srgbClr val="FF0000"/>
+                </a:solidFill>
+              </a:rPr>
+              <a:t>em</a:t>
+            </a:r>
+            <a:r>
+              <a:rPr lang="en-US" dirty="0">
+                <a:solidFill>
+                  <a:srgbClr val="FF0000"/>
+                </a:solidFill>
+              </a:rPr>
+              <a:t> breve</a:t>
             </a:r>
           </a:p>
         </p:txBody>
@@ -7013,8 +7151,8 @@
               </a:spcAft>
             </a:pPr>
             <a:r>
-              <a:rPr lang="en-US" dirty="0"/>
-              <a:t>UNIT 5 – Using Sensors</a:t>
+              <a:rPr lang="pt-BR" dirty="0"/>
+              <a:t>MODULO 5 –Usando sensores</a:t>
             </a:r>
           </a:p>
           <a:p>
@@ -7027,8 +7165,8 @@
               </a:spcAft>
             </a:pPr>
             <a:r>
-              <a:rPr lang="en-US" dirty="0"/>
-              <a:t>Introduction to Force Sensor</a:t>
+              <a:rPr lang="pt-BR" dirty="0"/>
+              <a:t>Introdução ao sensor de força</a:t>
             </a:r>
           </a:p>
           <a:p>
@@ -7041,8 +7179,8 @@
               </a:spcAft>
             </a:pPr>
             <a:r>
-              <a:rPr lang="en-US" dirty="0"/>
-              <a:t>Introduction to Color Sensor</a:t>
+              <a:rPr lang="pt-BR" dirty="0"/>
+              <a:t>Introdução ao sensor de cor</a:t>
             </a:r>
           </a:p>
           <a:p>
@@ -7055,12 +7193,8 @@
               </a:spcAft>
             </a:pPr>
             <a:r>
-              <a:rPr lang="en-US" dirty="0">
-                <a:solidFill>
-                  <a:schemeClr val="tx1"/>
-                </a:solidFill>
-              </a:rPr>
-              <a:t>Introduction to Distance Sensor</a:t>
+              <a:rPr lang="pt-BR" dirty="0"/>
+              <a:t>Introdução ao sensor de distância</a:t>
             </a:r>
           </a:p>
           <a:p>
@@ -7073,8 +7207,8 @@
               </a:spcAft>
             </a:pPr>
             <a:r>
-              <a:rPr lang="en-US" dirty="0"/>
-              <a:t>UNIT 6: Better Programming Techniques</a:t>
+              <a:rPr lang="pt-BR" dirty="0"/>
+              <a:t>MODULO 6: Melhores práticas de programação</a:t>
             </a:r>
           </a:p>
           <a:p>
@@ -7087,8 +7221,8 @@
               </a:spcAft>
             </a:pPr>
             <a:r>
-              <a:rPr lang="en-US" dirty="0"/>
-              <a:t>Using Repeat Blocks</a:t>
+              <a:rPr lang="pt-BR" dirty="0"/>
+              <a:t>Usando blocos de repetição</a:t>
             </a:r>
           </a:p>
           <a:p>
@@ -7101,8 +7235,8 @@
               </a:spcAft>
             </a:pPr>
             <a:r>
-              <a:rPr lang="en-US" dirty="0"/>
-              <a:t>Using Sound Blocks</a:t>
+              <a:rPr lang="pt-BR" dirty="0"/>
+              <a:t>Usando blocos de som</a:t>
             </a:r>
           </a:p>
           <a:p>
@@ -7115,8 +7249,8 @@
               </a:spcAft>
             </a:pPr>
             <a:r>
-              <a:rPr lang="en-US" dirty="0"/>
-              <a:t>Using Light Blocks</a:t>
+              <a:rPr lang="pt-BR" dirty="0"/>
+              <a:t>Usando blocos de luz</a:t>
             </a:r>
           </a:p>
           <a:p>
@@ -7129,9 +7263,14 @@
               </a:spcAft>
             </a:pPr>
             <a:r>
-              <a:rPr lang="en-US" dirty="0"/>
-              <a:t>Using If-Then Blocks</a:t>
-            </a:r>
+              <a:rPr lang="pt-BR" dirty="0"/>
+              <a:t>Usando blocos </a:t>
+            </a:r>
+            <a:r>
+              <a:rPr lang="pt-BR" dirty="0" err="1"/>
+              <a:t>se-então</a:t>
+            </a:r>
+            <a:endParaRPr lang="pt-BR" dirty="0"/>
           </a:p>
           <a:p>
             <a:pPr lvl="1">
@@ -7143,8 +7282,8 @@
               </a:spcAft>
             </a:pPr>
             <a:r>
-              <a:rPr lang="en-US" dirty="0"/>
-              <a:t>Debugging Techniques</a:t>
+              <a:rPr lang="pt-BR" dirty="0"/>
+              <a:t>Técnicas para a resolução de bugs</a:t>
             </a:r>
           </a:p>
           <a:p>
@@ -7157,8 +7296,8 @@
               </a:spcAft>
             </a:pPr>
             <a:r>
-              <a:rPr lang="en-US" dirty="0"/>
-              <a:t>UNIT 7: Putting it all Together</a:t>
+              <a:rPr lang="pt-BR" dirty="0"/>
+              <a:t>MODULO 7: Juntando tudo</a:t>
             </a:r>
           </a:p>
           <a:p>
@@ -7171,8 +7310,8 @@
               </a:spcAft>
             </a:pPr>
             <a:r>
-              <a:rPr lang="en-US" dirty="0"/>
-              <a:t>Moving an Object with Stall Detection</a:t>
+              <a:rPr lang="pt-BR" dirty="0"/>
+              <a:t>Movendo um objeto com detecção de travamento do motor.</a:t>
             </a:r>
           </a:p>
           <a:p>
@@ -7185,8 +7324,8 @@
               </a:spcAft>
             </a:pPr>
             <a:r>
-              <a:rPr lang="en-US" dirty="0"/>
-              <a:t>Basic Line Follower</a:t>
+              <a:rPr lang="pt-BR" dirty="0"/>
+              <a:t>Segue linha básico.</a:t>
             </a:r>
           </a:p>
           <a:p>
@@ -7199,8 +7338,8 @@
               </a:spcAft>
             </a:pPr>
             <a:r>
-              <a:rPr lang="en-US" dirty="0"/>
-              <a:t>Challenges</a:t>
+              <a:rPr lang="pt-BR" dirty="0"/>
+              <a:t>Desafios</a:t>
             </a:r>
           </a:p>
           <a:p>
@@ -7213,8 +7352,8 @@
               </a:spcAft>
             </a:pPr>
             <a:r>
-              <a:rPr lang="en-US" dirty="0"/>
-              <a:t>Robot Reliability</a:t>
+              <a:rPr lang="pt-BR" dirty="0"/>
+              <a:t>Confiabilidade do robô.</a:t>
             </a:r>
           </a:p>
           <a:p>
@@ -7278,9 +7417,10 @@
           <a:lstStyle/>
           <a:p>
             <a:r>
-              <a:rPr lang="en-US" dirty="0"/>
-              <a:t>CREDITS</a:t>
-            </a:r>
+              <a:rPr lang="en-US" dirty="0" err="1"/>
+              <a:t>CRéDIToS</a:t>
+            </a:r>
+            <a:endParaRPr lang="en-US" dirty="0"/>
           </a:p>
         </p:txBody>
       </p:sp>
@@ -7307,15 +7447,70 @@
           <a:lstStyle/>
           <a:p>
             <a:r>
-              <a:rPr lang="en-US" sz="1600" dirty="0"/>
-              <a:t>This lesson was created by Sanjay Seshan and Arvind Seshan for SPIKE Prime Lessons</a:t>
-            </a:r>
-          </a:p>
-          <a:p>
-            <a:r>
-              <a:rPr lang="en-US" sz="1600" dirty="0"/>
-              <a:t>More lessons are available at www.primelessons.org</a:t>
-            </a:r>
+              <a:rPr lang="pt-BR" sz="1600" dirty="0"/>
+              <a:t>Esses tutoriais foram criados por </a:t>
+            </a:r>
+            <a:r>
+              <a:rPr lang="pt-BR" sz="1600" dirty="0" err="1"/>
+              <a:t>Sanjay</a:t>
+            </a:r>
+            <a:r>
+              <a:rPr lang="pt-BR" sz="1600" dirty="0"/>
+              <a:t> </a:t>
+            </a:r>
+            <a:r>
+              <a:rPr lang="pt-BR" sz="1600" dirty="0" err="1"/>
+              <a:t>Seshan</a:t>
+            </a:r>
+            <a:r>
+              <a:rPr lang="pt-BR" sz="1600" dirty="0"/>
+              <a:t> e </a:t>
+            </a:r>
+            <a:r>
+              <a:rPr lang="pt-BR" sz="1600" dirty="0" err="1"/>
+              <a:t>Arvind</a:t>
+            </a:r>
+            <a:r>
+              <a:rPr lang="pt-BR" sz="1600" dirty="0"/>
+              <a:t> </a:t>
+            </a:r>
+            <a:r>
+              <a:rPr lang="pt-BR" sz="1600" dirty="0" err="1"/>
+              <a:t>Seshan</a:t>
+            </a:r>
+            <a:r>
+              <a:rPr lang="pt-BR" sz="1600" dirty="0"/>
+              <a:t> para SPIKE Prime </a:t>
+            </a:r>
+            <a:r>
+              <a:rPr lang="pt-BR" sz="1600" dirty="0" err="1"/>
+              <a:t>Lessons</a:t>
+            </a:r>
+            <a:endParaRPr lang="pt-BR" sz="1600" dirty="0"/>
+          </a:p>
+          <a:p>
+            <a:r>
+              <a:rPr lang="pt-BR" sz="1600" dirty="0"/>
+              <a:t>Mais tutorias em </a:t>
+            </a:r>
+            <a:r>
+              <a:rPr lang="pt-BR" sz="1600" dirty="0">
+                <a:hlinkClick r:id="rId2"/>
+              </a:rPr>
+              <a:t>www.primelessons.org</a:t>
+            </a:r>
+            <a:endParaRPr lang="pt-BR" sz="1600" dirty="0"/>
+          </a:p>
+          <a:p>
+            <a:r>
+              <a:rPr lang="pt-BR" sz="1600" dirty="0"/>
+              <a:t>Traduzido para o português por </a:t>
+            </a:r>
+            <a:r>
+              <a:rPr lang="pt-BR" sz="1600"/>
+              <a:t>Lucas Colonna</a:t>
+            </a:r>
+            <a:endParaRPr lang="pt-BR" sz="1600" dirty="0"/>
           </a:p>
         </p:txBody>
       </p:sp>
@@ -7586,7 +7781,7 @@
                 </a:solidFill>
                 <a:effectLst/>
                 <a:latin typeface="Helvetica Neue"/>
-                <a:hlinkClick r:id="rId2"/>
+                <a:hlinkClick r:id="rId3"/>
               </a:rPr>
               <a:t>Creative Commons Attribution-</a:t>
             </a:r>
@@ -7600,7 +7795,7 @@
                 </a:solidFill>
                 <a:effectLst/>
                 <a:latin typeface="Helvetica Neue"/>
-                <a:hlinkClick r:id="rId2"/>
+                <a:hlinkClick r:id="rId3"/>
               </a:rPr>
               <a:t>NonCommercial</a:t>
             </a:r>
@@ -7614,7 +7809,7 @@
                 </a:solidFill>
                 <a:effectLst/>
                 <a:latin typeface="Helvetica Neue"/>
-                <a:hlinkClick r:id="rId2"/>
+                <a:hlinkClick r:id="rId3"/>
               </a:rPr>
               <a:t>-</a:t>
             </a:r>
@@ -7628,7 +7823,7 @@
                 </a:solidFill>
                 <a:effectLst/>
                 <a:latin typeface="Helvetica Neue"/>
-                <a:hlinkClick r:id="rId2"/>
+                <a:hlinkClick r:id="rId3"/>
               </a:rPr>
               <a:t>ShareAlike</a:t>
             </a:r>
@@ -7642,7 +7837,7 @@
                 </a:solidFill>
                 <a:effectLst/>
                 <a:latin typeface="Helvetica Neue"/>
-                <a:hlinkClick r:id="rId2"/>
+                <a:hlinkClick r:id="rId3"/>
               </a:rPr>
               <a:t> 4.0 International License</a:t>
             </a:r>
@@ -7687,7 +7882,7 @@
       <p:pic>
         <p:nvPicPr>
           <p:cNvPr id="6" name="Picture 5" descr="Creative Commons License">
-            <a:hlinkClick r:id="rId2"/>
+            <a:hlinkClick r:id="rId3"/>
           </p:cNvPr>
           <p:cNvPicPr>
             <a:picLocks noChangeAspect="1" noChangeArrowheads="1"/>
@@ -7695,7 +7890,7 @@
           <p:nvPr/>
         </p:nvPicPr>
         <p:blipFill>
-          <a:blip r:embed="rId3">
+          <a:blip r:embed="rId4">
             <a:extLst>
               <a:ext uri="{28A0092B-C50C-407E-A947-70E740481C1C}">
                 <a14:useLocalDpi xmlns:a14="http://schemas.microsoft.com/office/drawing/2010/main" val="0"/>
